--- a/Week_11_EDA.pptx
+++ b/Week_11_EDA.pptx
@@ -250,7 +250,7 @@
           <a:p>
             <a:fld id="{C764DE79-268F-4C1A-8933-263129D2AF90}" type="datetimeFigureOut">
               <a:rPr lang="en-US" dirty="0"/>
-              <a:t>3/15/23</a:t>
+              <a:t>3/16/23</a:t>
             </a:fld>
             <a:endParaRPr lang="en-US"/>
           </a:p>
@@ -418,7 +418,7 @@
           <a:p>
             <a:fld id="{C764DE79-268F-4C1A-8933-263129D2AF90}" type="datetimeFigureOut">
               <a:rPr lang="en-US" dirty="0"/>
-              <a:t>3/15/23</a:t>
+              <a:t>3/16/23</a:t>
             </a:fld>
             <a:endParaRPr lang="en-US"/>
           </a:p>
@@ -596,7 +596,7 @@
           <a:p>
             <a:fld id="{C764DE79-268F-4C1A-8933-263129D2AF90}" type="datetimeFigureOut">
               <a:rPr lang="en-US" dirty="0"/>
-              <a:t>3/15/23</a:t>
+              <a:t>3/16/23</a:t>
             </a:fld>
             <a:endParaRPr lang="en-US"/>
           </a:p>
@@ -764,7 +764,7 @@
           <a:p>
             <a:fld id="{C764DE79-268F-4C1A-8933-263129D2AF90}" type="datetimeFigureOut">
               <a:rPr lang="en-US" dirty="0"/>
-              <a:t>3/15/23</a:t>
+              <a:t>3/16/23</a:t>
             </a:fld>
             <a:endParaRPr lang="en-US"/>
           </a:p>
@@ -1009,7 +1009,7 @@
           <a:p>
             <a:fld id="{C764DE79-268F-4C1A-8933-263129D2AF90}" type="datetimeFigureOut">
               <a:rPr lang="en-US" dirty="0"/>
-              <a:t>3/15/23</a:t>
+              <a:t>3/16/23</a:t>
             </a:fld>
             <a:endParaRPr lang="en-US"/>
           </a:p>
@@ -1238,7 +1238,7 @@
           <a:p>
             <a:fld id="{C764DE79-268F-4C1A-8933-263129D2AF90}" type="datetimeFigureOut">
               <a:rPr lang="en-US" dirty="0"/>
-              <a:t>3/15/23</a:t>
+              <a:t>3/16/23</a:t>
             </a:fld>
             <a:endParaRPr lang="en-US"/>
           </a:p>
@@ -1602,7 +1602,7 @@
           <a:p>
             <a:fld id="{C764DE79-268F-4C1A-8933-263129D2AF90}" type="datetimeFigureOut">
               <a:rPr lang="en-US" dirty="0"/>
-              <a:t>3/15/23</a:t>
+              <a:t>3/16/23</a:t>
             </a:fld>
             <a:endParaRPr lang="en-US"/>
           </a:p>
@@ -1719,7 +1719,7 @@
           <a:p>
             <a:fld id="{C764DE79-268F-4C1A-8933-263129D2AF90}" type="datetimeFigureOut">
               <a:rPr lang="en-US" dirty="0"/>
-              <a:t>3/15/23</a:t>
+              <a:t>3/16/23</a:t>
             </a:fld>
             <a:endParaRPr lang="en-US"/>
           </a:p>
@@ -1814,7 +1814,7 @@
           <a:p>
             <a:fld id="{C764DE79-268F-4C1A-8933-263129D2AF90}" type="datetimeFigureOut">
               <a:rPr lang="en-US" dirty="0"/>
-              <a:t>3/15/23</a:t>
+              <a:t>3/16/23</a:t>
             </a:fld>
             <a:endParaRPr lang="en-US"/>
           </a:p>
@@ -2089,7 +2089,7 @@
           <a:p>
             <a:fld id="{C764DE79-268F-4C1A-8933-263129D2AF90}" type="datetimeFigureOut">
               <a:rPr lang="en-US" dirty="0"/>
-              <a:t>3/15/23</a:t>
+              <a:t>3/16/23</a:t>
             </a:fld>
             <a:endParaRPr lang="en-US"/>
           </a:p>
@@ -2344,7 +2344,7 @@
           <a:p>
             <a:fld id="{C764DE79-268F-4C1A-8933-263129D2AF90}" type="datetimeFigureOut">
               <a:rPr lang="en-US" dirty="0"/>
-              <a:t>3/15/23</a:t>
+              <a:t>3/16/23</a:t>
             </a:fld>
             <a:endParaRPr lang="en-US"/>
           </a:p>
@@ -2555,7 +2555,7 @@
           <a:p>
             <a:fld id="{C764DE79-268F-4C1A-8933-263129D2AF90}" type="datetimeFigureOut">
               <a:rPr lang="en-US" dirty="0"/>
-              <a:t>3/15/23</a:t>
+              <a:t>3/16/23</a:t>
             </a:fld>
             <a:endParaRPr lang="en-US"/>
           </a:p>
@@ -5068,10 +5068,10 @@
       </p:sp>
       <p:pic>
         <p:nvPicPr>
-          <p:cNvPr id="5" name="Content Placeholder 4" descr="A picture containing text&#10;&#10;Description automatically generated">
+          <p:cNvPr id="7" name="Content Placeholder 6" descr="Text&#10;&#10;Description automatically generated with low confidence">
             <a:extLst>
               <a:ext uri="{FF2B5EF4-FFF2-40B4-BE49-F238E27FC236}">
-                <a16:creationId xmlns:a16="http://schemas.microsoft.com/office/drawing/2014/main" id="{84273195-5FEF-1564-38F5-31E8F1478192}"/>
+                <a16:creationId xmlns:a16="http://schemas.microsoft.com/office/drawing/2014/main" id="{09AAA5F3-B1C5-3F39-8951-A931A382A664}"/>
               </a:ext>
             </a:extLst>
           </p:cNvPr>
@@ -5090,13 +5090,13 @@
               </a:ext>
             </a:extLst>
           </a:blip>
-          <a:srcRect l="10958" t="25624" r="8208" b="28806"/>
+          <a:srcRect l="9973" t="25215" r="7471" b="26753"/>
           <a:stretch/>
         </p:blipFill>
         <p:spPr>
           <a:xfrm>
-            <a:off x="679772" y="2515217"/>
-            <a:ext cx="10968192" cy="3446603"/>
+            <a:off x="1083579" y="2695367"/>
+            <a:ext cx="9942181" cy="2892271"/>
           </a:xfrm>
         </p:spPr>
       </p:pic>
